--- a/presentation.pptx
+++ b/presentation.pptx
@@ -16,8 +16,9 @@
     <p:sldId id="267" r:id="rId10"/>
     <p:sldId id="268" r:id="rId11"/>
     <p:sldId id="269" r:id="rId12"/>
-    <p:sldId id="270" r:id="rId13"/>
-    <p:sldId id="271" r:id="rId14"/>
+    <p:sldId id="272" r:id="rId13"/>
+    <p:sldId id="270" r:id="rId14"/>
+    <p:sldId id="271" r:id="rId15"/>
   </p:sldIdLst>
   <p:sldSz cx="9144000" cy="6858000" type="screen4x3"/>
   <p:notesSz cx="6858000" cy="9144000"/>
@@ -300,7 +301,7 @@
           <a:p>
             <a:fld id="{6BFECD78-3C8E-49F2-8FAB-59489D168ABB}" type="datetimeFigureOut">
               <a:rPr lang="en-US" smtClean="0"/>
-              <a:t>5/30/16</a:t>
+              <a:t>6/1/16</a:t>
             </a:fld>
             <a:endParaRPr lang="en-US"/>
           </a:p>
@@ -470,7 +471,7 @@
           <a:p>
             <a:fld id="{6BFECD78-3C8E-49F2-8FAB-59489D168ABB}" type="datetimeFigureOut">
               <a:rPr lang="en-US" smtClean="0"/>
-              <a:t>5/30/16</a:t>
+              <a:t>6/1/16</a:t>
             </a:fld>
             <a:endParaRPr lang="en-US"/>
           </a:p>
@@ -650,7 +651,7 @@
           <a:p>
             <a:fld id="{6BFECD78-3C8E-49F2-8FAB-59489D168ABB}" type="datetimeFigureOut">
               <a:rPr lang="en-US" smtClean="0"/>
-              <a:t>5/30/16</a:t>
+              <a:t>6/1/16</a:t>
             </a:fld>
             <a:endParaRPr lang="en-US"/>
           </a:p>
@@ -820,7 +821,7 @@
           <a:p>
             <a:fld id="{6BFECD78-3C8E-49F2-8FAB-59489D168ABB}" type="datetimeFigureOut">
               <a:rPr lang="en-US" smtClean="0"/>
-              <a:t>5/30/16</a:t>
+              <a:t>6/1/16</a:t>
             </a:fld>
             <a:endParaRPr lang="en-US"/>
           </a:p>
@@ -1066,7 +1067,7 @@
           <a:p>
             <a:fld id="{6BFECD78-3C8E-49F2-8FAB-59489D168ABB}" type="datetimeFigureOut">
               <a:rPr lang="en-US" smtClean="0"/>
-              <a:t>5/30/16</a:t>
+              <a:t>6/1/16</a:t>
             </a:fld>
             <a:endParaRPr lang="en-US"/>
           </a:p>
@@ -1354,7 +1355,7 @@
           <a:p>
             <a:fld id="{6BFECD78-3C8E-49F2-8FAB-59489D168ABB}" type="datetimeFigureOut">
               <a:rPr lang="en-US" smtClean="0"/>
-              <a:t>5/30/16</a:t>
+              <a:t>6/1/16</a:t>
             </a:fld>
             <a:endParaRPr lang="en-US"/>
           </a:p>
@@ -1776,7 +1777,7 @@
           <a:p>
             <a:fld id="{6BFECD78-3C8E-49F2-8FAB-59489D168ABB}" type="datetimeFigureOut">
               <a:rPr lang="en-US" smtClean="0"/>
-              <a:t>5/30/16</a:t>
+              <a:t>6/1/16</a:t>
             </a:fld>
             <a:endParaRPr lang="en-US"/>
           </a:p>
@@ -1894,7 +1895,7 @@
           <a:p>
             <a:fld id="{6BFECD78-3C8E-49F2-8FAB-59489D168ABB}" type="datetimeFigureOut">
               <a:rPr lang="en-US" smtClean="0"/>
-              <a:t>5/30/16</a:t>
+              <a:t>6/1/16</a:t>
             </a:fld>
             <a:endParaRPr lang="en-US"/>
           </a:p>
@@ -1989,7 +1990,7 @@
           <a:p>
             <a:fld id="{6BFECD78-3C8E-49F2-8FAB-59489D168ABB}" type="datetimeFigureOut">
               <a:rPr lang="en-US" smtClean="0"/>
-              <a:t>5/30/16</a:t>
+              <a:t>6/1/16</a:t>
             </a:fld>
             <a:endParaRPr lang="en-US"/>
           </a:p>
@@ -2266,7 +2267,7 @@
           <a:p>
             <a:fld id="{6BFECD78-3C8E-49F2-8FAB-59489D168ABB}" type="datetimeFigureOut">
               <a:rPr lang="en-US" smtClean="0"/>
-              <a:t>5/30/16</a:t>
+              <a:t>6/1/16</a:t>
             </a:fld>
             <a:endParaRPr lang="en-US"/>
           </a:p>
@@ -2523,7 +2524,7 @@
           <a:p>
             <a:fld id="{6BFECD78-3C8E-49F2-8FAB-59489D168ABB}" type="datetimeFigureOut">
               <a:rPr lang="en-US" smtClean="0"/>
-              <a:t>5/30/16</a:t>
+              <a:t>6/1/16</a:t>
             </a:fld>
             <a:endParaRPr lang="en-US"/>
           </a:p>
@@ -2736,7 +2737,7 @@
           <a:p>
             <a:fld id="{6BFECD78-3C8E-49F2-8FAB-59489D168ABB}" type="datetimeFigureOut">
               <a:rPr lang="en-US" smtClean="0"/>
-              <a:t>5/30/16</a:t>
+              <a:t>6/1/16</a:t>
             </a:fld>
             <a:endParaRPr lang="en-US"/>
           </a:p>
@@ -3340,7 +3341,7 @@
         </p:spPr>
         <p:txBody>
           <a:bodyPr>
-            <a:normAutofit fontScale="92500" lnSpcReduction="10000"/>
+            <a:normAutofit fontScale="92500" lnSpcReduction="20000"/>
           </a:bodyPr>
           <a:lstStyle/>
           <a:p>
@@ -3377,7 +3378,23 @@
                   <a:srgbClr val="000000"/>
                 </a:solidFill>
               </a:rPr>
-              <a:t> 4.69, with 3 splits)</a:t>
+              <a:t> 4.69, </a:t>
+            </a:r>
+            <a:r>
+              <a:rPr lang="en-US" dirty="0" smtClean="0">
+                <a:solidFill>
+                  <a:srgbClr val="000000"/>
+                </a:solidFill>
+              </a:rPr>
+              <a:t>null accuracy 2%, </a:t>
+            </a:r>
+            <a:r>
+              <a:rPr lang="en-US" dirty="0" smtClean="0">
+                <a:solidFill>
+                  <a:srgbClr val="000000"/>
+                </a:solidFill>
+              </a:rPr>
+              <a:t>3 splits)</a:t>
             </a:r>
           </a:p>
           <a:p>
@@ -3388,8 +3405,28 @@
                   <a:srgbClr val="000000"/>
                 </a:solidFill>
               </a:rPr>
-              <a:t>curious what a random forest would look like with more splits and more options to work through the noise</a:t>
-            </a:r>
+              <a:t>curious what a random forest would look like with more splits and more options to work through the </a:t>
+            </a:r>
+            <a:r>
+              <a:rPr lang="en-US" dirty="0" smtClean="0">
+                <a:solidFill>
+                  <a:srgbClr val="000000"/>
+                </a:solidFill>
+              </a:rPr>
+              <a:t>noise</a:t>
+            </a:r>
+            <a:br>
+              <a:rPr lang="en-US" dirty="0" smtClean="0">
+                <a:solidFill>
+                  <a:srgbClr val="000000"/>
+                </a:solidFill>
+              </a:rPr>
+            </a:br>
+            <a:endParaRPr lang="en-US" dirty="0" smtClean="0">
+              <a:solidFill>
+                <a:srgbClr val="000000"/>
+              </a:solidFill>
+            </a:endParaRPr>
           </a:p>
           <a:p>
             <a:pPr lvl="1"/>
@@ -3399,8 +3436,21 @@
                   <a:srgbClr val="000000"/>
                 </a:solidFill>
               </a:rPr>
-              <a:t>linear regression (27% accurate)</a:t>
-            </a:r>
+              <a:t>linear regression (27% </a:t>
+            </a:r>
+            <a:r>
+              <a:rPr lang="en-US" dirty="0" smtClean="0">
+                <a:solidFill>
+                  <a:srgbClr val="000000"/>
+                </a:solidFill>
+              </a:rPr>
+              <a:t>accurate, null accuracy 2%)</a:t>
+            </a:r>
+            <a:endParaRPr lang="en-US" dirty="0" smtClean="0">
+              <a:solidFill>
+                <a:srgbClr val="000000"/>
+              </a:solidFill>
+            </a:endParaRPr>
           </a:p>
           <a:p>
             <a:pPr lvl="2"/>
@@ -3421,8 +3471,28 @@
                   <a:srgbClr val="000000"/>
                 </a:solidFill>
               </a:rPr>
-              <a:t>this was a little heartbreaking</a:t>
-            </a:r>
+              <a:t>this was a little </a:t>
+            </a:r>
+            <a:r>
+              <a:rPr lang="en-US" dirty="0" smtClean="0">
+                <a:solidFill>
+                  <a:srgbClr val="000000"/>
+                </a:solidFill>
+              </a:rPr>
+              <a:t>heartbreaking</a:t>
+            </a:r>
+            <a:br>
+              <a:rPr lang="en-US" dirty="0" smtClean="0">
+                <a:solidFill>
+                  <a:srgbClr val="000000"/>
+                </a:solidFill>
+              </a:rPr>
+            </a:br>
+            <a:endParaRPr lang="en-US" dirty="0" smtClean="0">
+              <a:solidFill>
+                <a:srgbClr val="000000"/>
+              </a:solidFill>
+            </a:endParaRPr>
           </a:p>
           <a:p>
             <a:pPr lvl="1"/>
@@ -3432,8 +3502,21 @@
                   <a:srgbClr val="000000"/>
                 </a:solidFill>
               </a:rPr>
-              <a:t>logistic regression (60% accurate, with no tuning)</a:t>
-            </a:r>
+              <a:t>logistic regression (60% </a:t>
+            </a:r>
+            <a:r>
+              <a:rPr lang="en-US" dirty="0" smtClean="0">
+                <a:solidFill>
+                  <a:srgbClr val="000000"/>
+                </a:solidFill>
+              </a:rPr>
+              <a:t>accurate, null accuracy 52%)</a:t>
+            </a:r>
+            <a:endParaRPr lang="en-US" dirty="0" smtClean="0">
+              <a:solidFill>
+                <a:srgbClr val="000000"/>
+              </a:solidFill>
+            </a:endParaRPr>
           </a:p>
           <a:p>
             <a:pPr lvl="2"/>
@@ -3454,36 +3537,17 @@
                   <a:srgbClr val="000000"/>
                 </a:solidFill>
               </a:rPr>
-              <a:t>worked much better but the range was still very high </a:t>
-            </a:r>
-          </a:p>
-          <a:p>
-            <a:pPr lvl="2"/>
+              <a:t>worked much better but the range was still very </a:t>
+            </a:r>
             <a:r>
               <a:rPr lang="en-US" dirty="0" smtClean="0">
                 <a:solidFill>
                   <a:srgbClr val="000000"/>
                 </a:solidFill>
               </a:rPr>
-              <a:t>with more tuning, </a:t>
-            </a:r>
-            <a:r>
-              <a:rPr lang="en-US" dirty="0" err="1" smtClean="0">
-                <a:solidFill>
-                  <a:srgbClr val="000000"/>
-                </a:solidFill>
-              </a:rPr>
-              <a:t>i</a:t>
-            </a:r>
-            <a:r>
-              <a:rPr lang="en-US" dirty="0" smtClean="0">
-                <a:solidFill>
-                  <a:srgbClr val="000000"/>
-                </a:solidFill>
-              </a:rPr>
-              <a:t> can dial this in for a better prediction</a:t>
-            </a:r>
-            <a:endParaRPr lang="en-US" dirty="0">
+              <a:t>high</a:t>
+            </a:r>
+            <a:endParaRPr lang="en-US" dirty="0" smtClean="0">
               <a:solidFill>
                 <a:srgbClr val="000000"/>
               </a:solidFill>
@@ -3583,7 +3647,7 @@
         </p:spPr>
         <p:txBody>
           <a:bodyPr>
-            <a:normAutofit fontScale="92500" lnSpcReduction="10000"/>
+            <a:normAutofit/>
           </a:bodyPr>
           <a:lstStyle/>
           <a:p>
@@ -3604,7 +3668,39 @@
                   <a:srgbClr val="000000"/>
                 </a:solidFill>
               </a:rPr>
-              <a:t>high correlation between season, month and price were not surprising</a:t>
+              <a:t>high correlation between </a:t>
+            </a:r>
+            <a:r>
+              <a:rPr lang="en-US" dirty="0" smtClean="0">
+                <a:solidFill>
+                  <a:srgbClr val="000000"/>
+                </a:solidFill>
+              </a:rPr>
+              <a:t>season and </a:t>
+            </a:r>
+            <a:r>
+              <a:rPr lang="en-US" dirty="0" smtClean="0">
+                <a:solidFill>
+                  <a:srgbClr val="000000"/>
+                </a:solidFill>
+              </a:rPr>
+              <a:t>month </a:t>
+            </a:r>
+            <a:r>
+              <a:rPr lang="en-US" dirty="0" smtClean="0">
+                <a:solidFill>
+                  <a:srgbClr val="000000"/>
+                </a:solidFill>
+              </a:rPr>
+              <a:t>were </a:t>
+            </a:r>
+            <a:r>
+              <a:rPr lang="en-US" dirty="0" smtClean="0">
+                <a:solidFill>
+                  <a:srgbClr val="000000"/>
+                </a:solidFill>
+              </a:rPr>
+              <a:t>not surprising</a:t>
             </a:r>
           </a:p>
           <a:p>
@@ -3626,29 +3722,17 @@
                   <a:srgbClr val="000000"/>
                 </a:solidFill>
               </a:rPr>
-              <a:t>possible data integrity issue?</a:t>
-            </a:r>
-          </a:p>
-          <a:p>
+              <a:t>possible data integrity issue</a:t>
+            </a:r>
             <a:r>
               <a:rPr lang="en-US" dirty="0" smtClean="0">
                 <a:solidFill>
                   <a:srgbClr val="000000"/>
                 </a:solidFill>
               </a:rPr>
-              <a:t>low linear regression score</a:t>
-            </a:r>
-          </a:p>
-          <a:p>
-            <a:r>
-              <a:rPr lang="en-US" dirty="0" smtClean="0">
-                <a:solidFill>
-                  <a:srgbClr val="000000"/>
-                </a:solidFill>
-              </a:rPr>
-              <a:t>high variation by location</a:t>
-            </a:r>
-            <a:endParaRPr lang="en-US" dirty="0">
+              <a:t>?</a:t>
+            </a:r>
+            <a:endParaRPr lang="en-US" dirty="0" smtClean="0">
               <a:solidFill>
                 <a:srgbClr val="000000"/>
               </a:solidFill>
@@ -3658,7 +3742,7 @@
       </p:sp>
       <p:pic>
         <p:nvPicPr>
-          <p:cNvPr id="4" name="Picture 3" descr="Screen Shot 2016-05-31 at 2.20.45 PM.png"/>
+          <p:cNvPr id="5" name="Picture 4" descr="Screen Shot 2016-06-01 at 12.11.08 PM.png"/>
           <p:cNvPicPr>
             <a:picLocks noChangeAspect="1"/>
           </p:cNvPicPr>
@@ -3678,8 +3762,8 @@
         </p:blipFill>
         <p:spPr>
           <a:xfrm>
-            <a:off x="4921250" y="1816100"/>
-            <a:ext cx="3765550" cy="3564337"/>
+            <a:off x="5308600" y="2165350"/>
+            <a:ext cx="3251200" cy="3060700"/>
           </a:xfrm>
           <a:prstGeom prst="rect">
             <a:avLst/>
@@ -3734,6 +3818,181 @@
             <p:ph type="title"/>
           </p:nvPr>
         </p:nvSpPr>
+        <p:spPr>
+          <a:xfrm>
+            <a:off x="457200" y="274638"/>
+            <a:ext cx="8229600" cy="779462"/>
+          </a:xfrm>
+        </p:spPr>
+        <p:txBody>
+          <a:bodyPr/>
+          <a:lstStyle/>
+          <a:p>
+            <a:r>
+              <a:rPr lang="en-US" dirty="0" smtClean="0">
+                <a:solidFill>
+                  <a:srgbClr val="000000"/>
+                </a:solidFill>
+              </a:rPr>
+              <a:t>surprises</a:t>
+            </a:r>
+            <a:endParaRPr lang="en-US" dirty="0">
+              <a:solidFill>
+                <a:srgbClr val="000000"/>
+              </a:solidFill>
+            </a:endParaRPr>
+          </a:p>
+        </p:txBody>
+      </p:sp>
+      <p:sp>
+        <p:nvSpPr>
+          <p:cNvPr id="3" name="Content Placeholder 2"/>
+          <p:cNvSpPr>
+            <a:spLocks noGrp="1"/>
+          </p:cNvSpPr>
+          <p:nvPr>
+            <p:ph idx="1"/>
+          </p:nvPr>
+        </p:nvSpPr>
+        <p:spPr>
+          <a:xfrm>
+            <a:off x="457200" y="1892300"/>
+            <a:ext cx="3632200" cy="4516837"/>
+          </a:xfrm>
+        </p:spPr>
+        <p:txBody>
+          <a:bodyPr>
+            <a:normAutofit/>
+          </a:bodyPr>
+          <a:lstStyle/>
+          <a:p>
+            <a:r>
+              <a:rPr lang="en-US" dirty="0" smtClean="0">
+                <a:solidFill>
+                  <a:srgbClr val="000000"/>
+                </a:solidFill>
+              </a:rPr>
+              <a:t>low </a:t>
+            </a:r>
+            <a:r>
+              <a:rPr lang="en-US" dirty="0" smtClean="0">
+                <a:solidFill>
+                  <a:srgbClr val="000000"/>
+                </a:solidFill>
+              </a:rPr>
+              <a:t>linear regression </a:t>
+            </a:r>
+            <a:r>
+              <a:rPr lang="en-US" dirty="0" smtClean="0">
+                <a:solidFill>
+                  <a:srgbClr val="000000"/>
+                </a:solidFill>
+              </a:rPr>
+              <a:t>score</a:t>
+            </a:r>
+          </a:p>
+          <a:p>
+            <a:endParaRPr lang="en-US" dirty="0" smtClean="0">
+              <a:solidFill>
+                <a:srgbClr val="000000"/>
+              </a:solidFill>
+            </a:endParaRPr>
+          </a:p>
+          <a:p>
+            <a:r>
+              <a:rPr lang="en-US" dirty="0" smtClean="0">
+                <a:solidFill>
+                  <a:srgbClr val="000000"/>
+                </a:solidFill>
+              </a:rPr>
+              <a:t>high variation by location</a:t>
+            </a:r>
+            <a:endParaRPr lang="en-US" dirty="0">
+              <a:solidFill>
+                <a:srgbClr val="000000"/>
+              </a:solidFill>
+            </a:endParaRPr>
+          </a:p>
+        </p:txBody>
+      </p:sp>
+      <p:pic>
+        <p:nvPicPr>
+          <p:cNvPr id="4" name="Picture 3" descr="Screen Shot 2016-05-31 at 2.20.45 PM.png"/>
+          <p:cNvPicPr>
+            <a:picLocks noChangeAspect="1"/>
+          </p:cNvPicPr>
+          <p:nvPr/>
+        </p:nvPicPr>
+        <p:blipFill>
+          <a:blip r:embed="rId2">
+            <a:extLst>
+              <a:ext uri="{28A0092B-C50C-407E-A947-70E740481C1C}">
+                <a14:useLocalDpi xmlns:a14="http://schemas.microsoft.com/office/drawing/2010/main" val="0"/>
+              </a:ext>
+            </a:extLst>
+          </a:blip>
+          <a:stretch>
+            <a:fillRect/>
+          </a:stretch>
+        </p:blipFill>
+        <p:spPr>
+          <a:xfrm>
+            <a:off x="4089400" y="1333500"/>
+            <a:ext cx="4749800" cy="4495994"/>
+          </a:xfrm>
+          <a:prstGeom prst="rect">
+            <a:avLst/>
+          </a:prstGeom>
+        </p:spPr>
+      </p:pic>
+    </p:spTree>
+    <p:extLst>
+      <p:ext uri="{BB962C8B-B14F-4D97-AF65-F5344CB8AC3E}">
+        <p14:creationId xmlns:p14="http://schemas.microsoft.com/office/powerpoint/2010/main" val="347600785"/>
+      </p:ext>
+    </p:extLst>
+  </p:cSld>
+  <p:clrMapOvr>
+    <a:masterClrMapping/>
+  </p:clrMapOvr>
+</p:sld>
+</file>
+
+<file path=ppt/slides/slide13.xml><?xml version="1.0" encoding="utf-8"?>
+<p:sld xmlns:a="http://schemas.openxmlformats.org/drawingml/2006/main" xmlns:r="http://schemas.openxmlformats.org/officeDocument/2006/relationships" xmlns:p="http://schemas.openxmlformats.org/presentationml/2006/main">
+  <p:cSld>
+    <p:bg>
+      <p:bgPr>
+        <a:solidFill>
+          <a:schemeClr val="tx1"/>
+        </a:solidFill>
+        <a:effectLst/>
+      </p:bgPr>
+    </p:bg>
+    <p:spTree>
+      <p:nvGrpSpPr>
+        <p:cNvPr id="1" name=""/>
+        <p:cNvGrpSpPr/>
+        <p:nvPr/>
+      </p:nvGrpSpPr>
+      <p:grpSpPr>
+        <a:xfrm>
+          <a:off x="0" y="0"/>
+          <a:ext cx="0" cy="0"/>
+          <a:chOff x="0" y="0"/>
+          <a:chExt cx="0" cy="0"/>
+        </a:xfrm>
+      </p:grpSpPr>
+      <p:sp>
+        <p:nvSpPr>
+          <p:cNvPr id="2" name="Title 1"/>
+          <p:cNvSpPr>
+            <a:spLocks noGrp="1"/>
+          </p:cNvSpPr>
+          <p:nvPr>
+            <p:ph type="title"/>
+          </p:nvPr>
+        </p:nvSpPr>
         <p:spPr/>
         <p:txBody>
           <a:bodyPr/>
@@ -3837,7 +4096,7 @@
 </p:sld>
 </file>
 
-<file path=ppt/slides/slide13.xml><?xml version="1.0" encoding="utf-8"?>
+<file path=ppt/slides/slide14.xml><?xml version="1.0" encoding="utf-8"?>
 <p:sld xmlns:a="http://schemas.openxmlformats.org/drawingml/2006/main" xmlns:r="http://schemas.openxmlformats.org/officeDocument/2006/relationships" xmlns:p="http://schemas.openxmlformats.org/presentationml/2006/main">
   <p:cSld>
     <p:spTree>
@@ -3965,7 +4224,14 @@
                 <a:latin typeface="Helvetica"/>
                 <a:cs typeface="Helvetica"/>
               </a:rPr>
-              <a:t>$18.75</a:t>
+              <a:t>$</a:t>
+            </a:r>
+            <a:r>
+              <a:rPr lang="en-US" sz="10000" dirty="0" smtClean="0">
+                <a:latin typeface="Helvetica"/>
+                <a:cs typeface="Helvetica"/>
+              </a:rPr>
+              <a:t>18.77</a:t>
             </a:r>
             <a:endParaRPr lang="en-US" sz="10000" dirty="0">
               <a:latin typeface="Helvetica"/>
@@ -4763,6 +5029,23 @@
               </a:rPr>
               <a:t>pay market price </a:t>
             </a:r>
+            <a:r>
+              <a:rPr lang="en-US" sz="4000" dirty="0" smtClean="0">
+                <a:latin typeface="Helvetica"/>
+                <a:cs typeface="Helvetica"/>
+              </a:rPr>
+              <a:t/>
+            </a:r>
+            <a:br>
+              <a:rPr lang="en-US" sz="4000" dirty="0" smtClean="0">
+                <a:latin typeface="Helvetica"/>
+                <a:cs typeface="Helvetica"/>
+              </a:rPr>
+            </a:br>
+            <a:endParaRPr lang="en-US" sz="2000" dirty="0" smtClean="0">
+              <a:latin typeface="Helvetica"/>
+              <a:cs typeface="Helvetica"/>
+            </a:endParaRPr>
           </a:p>
           <a:p>
             <a:pPr marL="571500" indent="-571500" algn="l">
@@ -4800,7 +5083,58 @@
                 <a:latin typeface="Helvetica"/>
                 <a:cs typeface="Helvetica"/>
               </a:rPr>
-              <a:t>we’ll buy XX number of pounds at x$ over an agreed upon period of time </a:t>
+              <a:t>farmers </a:t>
+            </a:r>
+            <a:r>
+              <a:rPr lang="en-US" sz="1400" dirty="0" smtClean="0">
+                <a:latin typeface="Helvetica"/>
+                <a:cs typeface="Helvetica"/>
+              </a:rPr>
+              <a:t>don</a:t>
+            </a:r>
+            <a:r>
+              <a:rPr lang="fr-FR" sz="1400" dirty="0" smtClean="0">
+                <a:latin typeface="Helvetica"/>
+                <a:cs typeface="Helvetica"/>
+              </a:rPr>
+              <a:t>’</a:t>
+            </a:r>
+            <a:r>
+              <a:rPr lang="en-US" sz="1400" dirty="0" smtClean="0">
+                <a:latin typeface="Helvetica"/>
+                <a:cs typeface="Helvetica"/>
+              </a:rPr>
+              <a:t>t love this for obvious </a:t>
+            </a:r>
+            <a:r>
+              <a:rPr lang="en-US" sz="1400" dirty="0" smtClean="0">
+                <a:latin typeface="Helvetica"/>
+                <a:cs typeface="Helvetica"/>
+              </a:rPr>
+              <a:t>reasons</a:t>
+            </a:r>
+            <a:br>
+              <a:rPr lang="en-US" sz="1400" dirty="0" smtClean="0">
+                <a:latin typeface="Helvetica"/>
+                <a:cs typeface="Helvetica"/>
+              </a:rPr>
+            </a:br>
+            <a:endParaRPr lang="en-US" sz="2000" dirty="0" smtClean="0">
+              <a:latin typeface="Helvetica"/>
+              <a:cs typeface="Helvetica"/>
+            </a:endParaRPr>
+          </a:p>
+          <a:p>
+            <a:pPr marL="571500" indent="-571500" algn="l">
+              <a:buFont typeface="Arial"/>
+              <a:buChar char="•"/>
+            </a:pPr>
+            <a:r>
+              <a:rPr lang="en-US" sz="4000" dirty="0" smtClean="0">
+                <a:latin typeface="Helvetica"/>
+                <a:cs typeface="Helvetica"/>
+              </a:rPr>
+              <a:t>contract plus</a:t>
             </a:r>
           </a:p>
           <a:p>
@@ -4813,34 +5147,20 @@
                 <a:latin typeface="Helvetica"/>
                 <a:cs typeface="Helvetica"/>
               </a:rPr>
-              <a:t>farmers don</a:t>
-            </a:r>
-            <a:r>
-              <a:rPr lang="fr-FR" sz="1400" dirty="0" smtClean="0">
-                <a:latin typeface="Helvetica"/>
-                <a:cs typeface="Helvetica"/>
-              </a:rPr>
-              <a:t>’</a:t>
-            </a:r>
+              <a:t>contract plus a percentage if market value goes above an agreed upon amount</a:t>
+            </a:r>
+          </a:p>
+          <a:p>
+            <a:pPr marL="1485900" lvl="2" indent="-571500">
+              <a:buFont typeface="Arial"/>
+              <a:buChar char="•"/>
+            </a:pPr>
             <a:r>
               <a:rPr lang="en-US" sz="1400" dirty="0" smtClean="0">
                 <a:latin typeface="Helvetica"/>
                 <a:cs typeface="Helvetica"/>
               </a:rPr>
-              <a:t>t love this for obvious reasons</a:t>
-            </a:r>
-          </a:p>
-          <a:p>
-            <a:pPr marL="571500" indent="-571500" algn="l">
-              <a:buFont typeface="Arial"/>
-              <a:buChar char="•"/>
-            </a:pPr>
-            <a:r>
-              <a:rPr lang="en-US" sz="4000" dirty="0" smtClean="0">
-                <a:latin typeface="Helvetica"/>
-                <a:cs typeface="Helvetica"/>
-              </a:rPr>
-              <a:t>contract plus</a:t>
+              <a:t>example: we agree to pay $12 a pound unless the price goes above $15, then we’ll add a dollar to our base price for every dollar the market raises (if market is $18, we would then be paying $15)</a:t>
             </a:r>
           </a:p>
           <a:p>
@@ -4850,52 +5170,23 @@
             </a:pPr>
             <a:r>
               <a:rPr lang="en-US" sz="1400" dirty="0" smtClean="0">
+                <a:solidFill>
+                  <a:srgbClr val="FF0000"/>
+                </a:solidFill>
                 <a:latin typeface="Helvetica"/>
                 <a:cs typeface="Helvetica"/>
               </a:rPr>
-              <a:t>contract plus a percentage if market value goes above an agreed upon amount</a:t>
-            </a:r>
-          </a:p>
-          <a:p>
-            <a:pPr marL="1485900" lvl="2" indent="-571500">
-              <a:buFont typeface="Arial"/>
-              <a:buChar char="•"/>
-            </a:pPr>
+              <a:t>where </a:t>
+            </a:r>
             <a:r>
               <a:rPr lang="en-US" sz="1400" dirty="0" smtClean="0">
+                <a:solidFill>
+                  <a:srgbClr val="FF0000"/>
+                </a:solidFill>
                 <a:latin typeface="Helvetica"/>
                 <a:cs typeface="Helvetica"/>
               </a:rPr>
-              <a:t>example: we agree to pay $12 a pound unless the price goes above $15, then we’ll add a dollar to our base price for every dollar the market raises (if market is $18, we would then be paying $15)</a:t>
-            </a:r>
-          </a:p>
-          <a:p>
-            <a:pPr marL="1028700" lvl="1" indent="-571500">
-              <a:buFont typeface="Arial"/>
-              <a:buChar char="•"/>
-            </a:pPr>
-            <a:r>
-              <a:rPr lang="en-US" sz="1400" dirty="0" smtClean="0">
-                <a:latin typeface="Helvetica"/>
-                <a:cs typeface="Helvetica"/>
-              </a:rPr>
-              <a:t>protection for the buyer and the farmer, a compromise</a:t>
-            </a:r>
-          </a:p>
-          <a:p>
-            <a:pPr marL="1028700" lvl="1" indent="-571500">
-              <a:buFont typeface="Arial"/>
-              <a:buChar char="•"/>
-            </a:pPr>
-            <a:r>
-              <a:rPr lang="en-US" sz="1400" dirty="0" smtClean="0">
-                <a:solidFill>
-                  <a:srgbClr val="FF0000"/>
-                </a:solidFill>
-                <a:latin typeface="Helvetica"/>
-                <a:cs typeface="Helvetica"/>
-              </a:rPr>
-              <a:t>where do you set the trigger? </a:t>
+              <a:t>do you set the trigger? </a:t>
             </a:r>
             <a:endParaRPr lang="en-US" sz="1400" dirty="0">
               <a:solidFill>
@@ -5144,10 +5435,8 @@
                 <a:latin typeface="Helvetica"/>
                 <a:cs typeface="Helvetica"/>
               </a:rPr>
-              <a:t>8744 rows by date and sale point</a:t>
-            </a:r>
-          </a:p>
-          <a:p>
+              <a:t>8744 </a:t>
+            </a:r>
             <a:r>
               <a:rPr lang="en-US" sz="4000" dirty="0" smtClean="0">
                 <a:solidFill>
@@ -5156,9 +5445,41 @@
                 <a:latin typeface="Helvetica"/>
                 <a:cs typeface="Helvetica"/>
               </a:rPr>
-              <a:t>2011-2015 </a:t>
-            </a:r>
-            <a:endParaRPr lang="en-US" sz="4000" dirty="0">
+              <a:t>rows</a:t>
+            </a:r>
+          </a:p>
+          <a:p>
+            <a:r>
+              <a:rPr lang="en-US" sz="2000" i="1" dirty="0" smtClean="0">
+                <a:solidFill>
+                  <a:schemeClr val="bg1"/>
+                </a:solidFill>
+                <a:latin typeface="Helvetica"/>
+                <a:cs typeface="Helvetica"/>
+              </a:rPr>
+              <a:t>organized by date </a:t>
+            </a:r>
+            <a:r>
+              <a:rPr lang="en-US" sz="2000" i="1" dirty="0" smtClean="0">
+                <a:solidFill>
+                  <a:schemeClr val="bg1"/>
+                </a:solidFill>
+                <a:latin typeface="Helvetica"/>
+                <a:cs typeface="Helvetica"/>
+              </a:rPr>
+              <a:t>and sale </a:t>
+            </a:r>
+            <a:r>
+              <a:rPr lang="en-US" sz="2000" i="1" dirty="0" smtClean="0">
+                <a:solidFill>
+                  <a:schemeClr val="bg1"/>
+                </a:solidFill>
+                <a:latin typeface="Helvetica"/>
+                <a:cs typeface="Helvetica"/>
+              </a:rPr>
+              <a:t>point 2012-2015 (drought years) </a:t>
+            </a:r>
+            <a:endParaRPr lang="en-US" sz="2000" i="1" dirty="0">
               <a:solidFill>
                 <a:schemeClr val="bg1"/>
               </a:solidFill>
@@ -5176,7 +5497,7 @@
         </p:nvSpPr>
         <p:spPr>
           <a:xfrm>
-            <a:off x="999268" y="1847850"/>
+            <a:off x="999268" y="1873250"/>
             <a:ext cx="7912100" cy="3554819"/>
           </a:xfrm>
           <a:prstGeom prst="rect">
@@ -5952,6 +6273,43 @@
           <a:prstGeom prst="rect">
             <a:avLst/>
           </a:prstGeom>
+          <a:ln w="19050" cmpd="sng">
+            <a:noFill/>
+          </a:ln>
+        </p:spPr>
+      </p:pic>
+      <p:pic>
+        <p:nvPicPr>
+          <p:cNvPr id="3" name="Picture 2" descr="Screen Shot 2016-05-30 at 11.44.19 AM.png"/>
+          <p:cNvPicPr>
+            <a:picLocks noChangeAspect="1"/>
+          </p:cNvPicPr>
+          <p:nvPr/>
+        </p:nvPicPr>
+        <p:blipFill rotWithShape="1">
+          <a:blip r:embed="rId2">
+            <a:extLst>
+              <a:ext uri="{28A0092B-C50C-407E-A947-70E740481C1C}">
+                <a14:useLocalDpi xmlns:a14="http://schemas.microsoft.com/office/drawing/2010/main" val="0"/>
+              </a:ext>
+            </a:extLst>
+          </a:blip>
+          <a:srcRect l="1251" t="41009" r="48592" b="29915"/>
+          <a:stretch/>
+        </p:blipFill>
+        <p:spPr>
+          <a:xfrm>
+            <a:off x="4038601" y="4279900"/>
+            <a:ext cx="4724400" cy="1701800"/>
+          </a:xfrm>
+          <a:prstGeom prst="rect">
+            <a:avLst/>
+          </a:prstGeom>
+          <a:ln w="28575" cmpd="sng">
+            <a:solidFill>
+              <a:srgbClr val="000000"/>
+            </a:solidFill>
+          </a:ln>
         </p:spPr>
       </p:pic>
     </p:spTree>
